--- a/Latex/tehran-thesis - Copy/proposal.pptx
+++ b/Latex/tehran-thesis - Copy/proposal.pptx
@@ -256,7 +256,7 @@
           <a:p>
             <a:fld id="{63335B88-4C89-4578-A075-4D3E83B0A887}" type="datetimeFigureOut">
               <a:rPr lang="en-US" smtClean="0"/>
-              <a:t>10/23/2020</a:t>
+              <a:t>10/25/2020</a:t>
             </a:fld>
             <a:endParaRPr lang="en-US"/>
           </a:p>
@@ -966,7 +966,7 @@
           <a:p>
             <a:fld id="{E2D1834A-6298-41C1-97D2-8964EEE37E5F}" type="datetime1">
               <a:rPr lang="en-US" smtClean="0"/>
-              <a:t>10/23/2020</a:t>
+              <a:t>10/25/2020</a:t>
             </a:fld>
             <a:endParaRPr lang="en-US" dirty="0"/>
           </a:p>
@@ -1370,7 +1370,7 @@
           <a:p>
             <a:fld id="{D456B403-6700-4904-B8DE-9E354D35E0FD}" type="datetime1">
               <a:rPr lang="en-US" smtClean="0"/>
-              <a:t>10/23/2020</a:t>
+              <a:t>10/25/2020</a:t>
             </a:fld>
             <a:endParaRPr lang="en-US" dirty="0"/>
           </a:p>
@@ -1767,7 +1767,7 @@
           <a:p>
             <a:fld id="{2B210D9F-507C-4382-A05F-83176C7C63BD}" type="datetime1">
               <a:rPr lang="en-US" smtClean="0"/>
-              <a:t>10/23/2020</a:t>
+              <a:t>10/25/2020</a:t>
             </a:fld>
             <a:endParaRPr lang="en-US" dirty="0"/>
           </a:p>
@@ -2099,7 +2099,7 @@
           <a:p>
             <a:fld id="{318A7616-395E-432F-B3EF-9039C9F81BBF}" type="datetime1">
               <a:rPr lang="en-US" smtClean="0"/>
-              <a:t>10/23/2020</a:t>
+              <a:t>10/25/2020</a:t>
             </a:fld>
             <a:endParaRPr lang="en-US" dirty="0"/>
           </a:p>
@@ -2415,7 +2415,7 @@
           <a:p>
             <a:fld id="{F916A641-5AA9-4DC4-A36C-7E323FA5682C}" type="datetime1">
               <a:rPr lang="en-US" smtClean="0"/>
-              <a:t>10/23/2020</a:t>
+              <a:t>10/25/2020</a:t>
             </a:fld>
             <a:endParaRPr lang="en-US" dirty="0"/>
           </a:p>
@@ -2807,7 +2807,7 @@
           <a:p>
             <a:fld id="{1B0114DC-C73C-46AD-AF41-1F5DB3ACAF9A}" type="datetime1">
               <a:rPr lang="en-US" smtClean="0"/>
-              <a:t>10/23/2020</a:t>
+              <a:t>10/25/2020</a:t>
             </a:fld>
             <a:endParaRPr lang="en-US" dirty="0"/>
           </a:p>
@@ -3060,7 +3060,7 @@
           <a:p>
             <a:fld id="{F680C839-69B2-4C55-BDAC-5D34F86FB20F}" type="datetime1">
               <a:rPr lang="en-US" smtClean="0"/>
-              <a:t>10/23/2020</a:t>
+              <a:t>10/25/2020</a:t>
             </a:fld>
             <a:endParaRPr lang="en-US" dirty="0"/>
           </a:p>
@@ -3318,7 +3318,7 @@
           <a:p>
             <a:fld id="{9582384A-88BF-4734-BE24-7E176DAFB9EA}" type="datetime1">
               <a:rPr lang="en-US" smtClean="0"/>
-              <a:t>10/23/2020</a:t>
+              <a:t>10/25/2020</a:t>
             </a:fld>
             <a:endParaRPr lang="en-US" dirty="0"/>
           </a:p>
@@ -3690,7 +3690,7 @@
           <a:p>
             <a:fld id="{5E6885D2-F37E-4217-A7F1-AD646E474FB1}" type="datetime1">
               <a:rPr lang="en-US" smtClean="0"/>
-              <a:t>10/23/2020</a:t>
+              <a:t>10/25/2020</a:t>
             </a:fld>
             <a:endParaRPr lang="en-US" dirty="0"/>
           </a:p>
@@ -4090,7 +4090,7 @@
           <a:p>
             <a:fld id="{1FAF84E9-C801-4668-B7D5-43E19716F29F}" type="datetime1">
               <a:rPr lang="en-US" smtClean="0"/>
-              <a:t>10/23/2020</a:t>
+              <a:t>10/25/2020</a:t>
             </a:fld>
             <a:endParaRPr lang="en-US" dirty="0"/>
           </a:p>
@@ -4479,7 +4479,7 @@
           <a:p>
             <a:fld id="{E271A801-A131-4D68-864C-2457A2486860}" type="datetime1">
               <a:rPr lang="en-US" smtClean="0"/>
-              <a:t>10/23/2020</a:t>
+              <a:t>10/25/2020</a:t>
             </a:fld>
             <a:endParaRPr lang="en-US" dirty="0"/>
           </a:p>
@@ -4992,7 +4992,7 @@
           <a:p>
             <a:fld id="{F67C1E7D-19CD-42FC-9274-120DB03787E1}" type="datetime1">
               <a:rPr lang="en-US" smtClean="0"/>
-              <a:t>10/23/2020</a:t>
+              <a:t>10/25/2020</a:t>
             </a:fld>
             <a:endParaRPr lang="en-US" dirty="0"/>
           </a:p>
@@ -5193,7 +5193,7 @@
           <a:p>
             <a:fld id="{33D71D7E-B49D-41F0-ACD9-E1F0291AB812}" type="datetime1">
               <a:rPr lang="en-US" smtClean="0"/>
-              <a:t>10/23/2020</a:t>
+              <a:t>10/25/2020</a:t>
             </a:fld>
             <a:endParaRPr lang="en-US" dirty="0"/>
           </a:p>
@@ -5431,7 +5431,7 @@
           <a:p>
             <a:fld id="{17E8399F-6DC9-4AB2-8CE4-3068FE1F18A2}" type="datetime1">
               <a:rPr lang="en-US" smtClean="0"/>
-              <a:t>10/23/2020</a:t>
+              <a:t>10/25/2020</a:t>
             </a:fld>
             <a:endParaRPr lang="en-US" dirty="0"/>
           </a:p>
@@ -5760,7 +5760,7 @@
           <a:p>
             <a:fld id="{573DFDFD-4869-4A5D-8971-25F2E660517A}" type="datetime1">
               <a:rPr lang="en-US" smtClean="0"/>
-              <a:t>10/23/2020</a:t>
+              <a:t>10/25/2020</a:t>
             </a:fld>
             <a:endParaRPr lang="en-US" dirty="0"/>
           </a:p>
@@ -6101,7 +6101,7 @@
           <a:p>
             <a:fld id="{07765C4D-C331-4AFE-A546-14DBA7813602}" type="datetime1">
               <a:rPr lang="en-US" smtClean="0"/>
-              <a:t>10/23/2020</a:t>
+              <a:t>10/25/2020</a:t>
             </a:fld>
             <a:endParaRPr lang="en-US" dirty="0"/>
           </a:p>
@@ -8214,7 +8214,7 @@
           <a:p>
             <a:fld id="{FEB4F27F-BEC0-40D1-B51D-7815B07F5487}" type="datetime1">
               <a:rPr lang="en-US" smtClean="0"/>
-              <a:t>10/23/2020</a:t>
+              <a:t>10/25/2020</a:t>
             </a:fld>
             <a:endParaRPr lang="en-US" dirty="0"/>
           </a:p>
@@ -24332,11 +24332,7 @@
             </a:r>
             <a:r>
               <a:rPr lang="ar-IQ" dirty="0"/>
-              <a:t>سخت افزارهای تعیین شده، قرار می دهد</a:t>
-            </a:r>
-            <a:r>
-              <a:rPr lang="ar-IQ" dirty="0"/>
-              <a:t> </a:t>
+              <a:t>سخت افزارهای تعیین شده، قرار می دهد </a:t>
             </a:r>
             <a:endParaRPr lang="en-US" dirty="0" smtClean="0"/>
           </a:p>
@@ -24355,11 +24351,7 @@
             </a:r>
             <a:r>
               <a:rPr lang="ar-IQ" dirty="0"/>
-              <a:t>نرم افزار را از سخت افزار جدا می نماید.</a:t>
-            </a:r>
-            <a:r>
-              <a:rPr lang="ar-IQ" dirty="0"/>
-              <a:t> </a:t>
+              <a:t>نرم افزار را از سخت افزار جدا می نماید. </a:t>
             </a:r>
             <a:endParaRPr lang="en-US" dirty="0" smtClean="0"/>
           </a:p>
@@ -24405,11 +24397,7 @@
             </a:r>
             <a:r>
               <a:rPr lang="ar-IQ" dirty="0"/>
-              <a:t>مورد نظر بر روی سرور در هر بازه ی زمانی می باشد</a:t>
-            </a:r>
-            <a:r>
-              <a:rPr lang="ar-IQ" dirty="0"/>
-              <a:t> </a:t>
+              <a:t>مورد نظر بر روی سرور در هر بازه ی زمانی می باشد </a:t>
             </a:r>
             <a:endParaRPr lang="fa-IR" dirty="0" smtClean="0"/>
           </a:p>
@@ -24424,11 +24412,7 @@
             <a:pPr lvl="1"/>
             <a:r>
               <a:rPr lang="ar-IQ" dirty="0"/>
-              <a:t>کمینه کردن انرژی های مصرفی در هر بازه ی زمانی</a:t>
-            </a:r>
-            <a:r>
-              <a:rPr lang="ar-IQ" dirty="0"/>
-              <a:t> </a:t>
+              <a:t>کمینه کردن انرژی های مصرفی در هر بازه ی زمانی </a:t>
             </a:r>
             <a:endParaRPr lang="fa-IR" dirty="0"/>
           </a:p>
@@ -24477,10 +24461,6 @@
             <a:r>
               <a:rPr lang="ar-IQ" dirty="0"/>
               <a:t>های جدید در هر لحظه ی زمانی </a:t>
-            </a:r>
-            <a:r>
-              <a:rPr lang="ar-IQ" dirty="0"/>
-              <a:t/>
             </a:r>
             <a:br>
               <a:rPr lang="ar-IQ" dirty="0"/>
@@ -25060,11 +25040,7 @@
             </a:r>
             <a:r>
               <a:rPr lang="ar-IQ" dirty="0"/>
-              <a:t>تقویتی</a:t>
-            </a:r>
-            <a:r>
-              <a:rPr lang="ar-IQ" dirty="0"/>
-              <a:t> </a:t>
+              <a:t>تقویتی </a:t>
             </a:r>
             <a:r>
               <a:rPr lang="fa-IR" dirty="0" smtClean="0"/>
@@ -26356,11 +26332,7 @@
           <a:p>
             <a:r>
               <a:rPr lang="ar-IQ" dirty="0"/>
-              <a:t>تخصیص منابع در شبکه های دسترسی رادیویی باز</a:t>
-            </a:r>
-            <a:r>
-              <a:rPr lang="ar-IQ" dirty="0"/>
-              <a:t> </a:t>
+              <a:t>تخصیص منابع در شبکه های دسترسی رادیویی باز </a:t>
             </a:r>
             <a:br>
               <a:rPr lang="ar-IQ" dirty="0"/>
@@ -26419,7 +26391,7 @@
           <a:graphicData uri="http://schemas.openxmlformats.org/presentationml/2006/ole">
             <mc:AlternateContent xmlns:mc="http://schemas.openxmlformats.org/markup-compatibility/2006">
               <mc:Choice xmlns:v="urn:schemas-microsoft-com:vml" Requires="v">
-                <p:oleObj spid="_x0000_s1027" name="PDF" r:id="rId3" imgW="0" imgH="360" progId="FoxitReader.Document">
+                <p:oleObj spid="_x0000_s1030" name="PDF" r:id="rId3" imgW="0" imgH="360" progId="FoxitReader.Document">
                   <p:embed/>
                 </p:oleObj>
               </mc:Choice>
@@ -26520,8 +26492,8 @@
           </a:p>
         </p:txBody>
       </p:sp>
-      <mc:AlternateContent xmlns:mc="http://schemas.openxmlformats.org/markup-compatibility/2006" xmlns:a14="http://schemas.microsoft.com/office/drawing/2010/main">
-        <mc:Choice Requires="a14">
+      <mc:AlternateContent xmlns:mc="http://schemas.openxmlformats.org/markup-compatibility/2006">
+        <mc:Choice xmlns:a14="http://schemas.microsoft.com/office/drawing/2010/main" Requires="a14">
           <p:sp>
             <p:nvSpPr>
               <p:cNvPr id="3" name="Content Placeholder 2"/>
@@ -26534,60 +26506,20 @@
             </p:nvSpPr>
             <p:spPr>
               <a:xfrm>
-                <a:off x="1605516" y="1552847"/>
-                <a:ext cx="8915400" cy="4524179"/>
+                <a:off x="1012805" y="1658706"/>
+                <a:ext cx="9488950" cy="4694939"/>
               </a:xfrm>
             </p:spPr>
             <p:txBody>
               <a:bodyPr>
-                <a:normAutofit fontScale="55000" lnSpcReduction="20000"/>
+                <a:normAutofit fontScale="47500" lnSpcReduction="20000"/>
               </a:bodyPr>
               <a:lstStyle/>
               <a:p>
                 <a14:m>
                   <m:oMath xmlns:m="http://schemas.openxmlformats.org/officeDocument/2006/math">
                     <m:r>
-                      <a:rPr lang="en-US" sz="3600" i="1" dirty="0">
-                        <a:latin typeface="Cambria Math" panose="02040503050406030204" pitchFamily="18" charset="0"/>
-                      </a:rPr>
-                      <m:t>𝑅</m:t>
-                    </m:r>
-                  </m:oMath>
-                </a14:m>
-                <a:r>
-                  <a:rPr lang="fa-IR" sz="3600" dirty="0"/>
-                  <a:t> </a:t>
-                </a:r>
-                <a:r>
-                  <a:rPr lang="fa-IR" sz="4400" dirty="0"/>
-                  <a:t>واحد رادیویی تک آنتنه</a:t>
-                </a:r>
-              </a:p>
-              <a:p>
-                <a14:m>
-                  <m:oMath xmlns:m="http://schemas.openxmlformats.org/officeDocument/2006/math">
-                    <m:r>
-                      <a:rPr lang="en-US" sz="3600" i="1" dirty="0">
-                        <a:latin typeface="Cambria Math" panose="02040503050406030204" pitchFamily="18" charset="0"/>
-                      </a:rPr>
-                      <m:t>𝐷</m:t>
-                    </m:r>
-                  </m:oMath>
-                </a14:m>
-                <a:r>
-                  <a:rPr lang="fa-IR" sz="3600" dirty="0"/>
-                  <a:t> </a:t>
-                </a:r>
-                <a:r>
-                  <a:rPr lang="fa-IR" sz="4400" dirty="0"/>
-                  <a:t>کاربر تک آنتنه</a:t>
-                </a:r>
-              </a:p>
-              <a:p>
-                <a14:m>
-                  <m:oMath xmlns:m="http://schemas.openxmlformats.org/officeDocument/2006/math">
-                    <m:r>
-                      <a:rPr lang="en-US" sz="3600" i="1" dirty="0">
+                      <a:rPr lang="en-US" sz="3800" i="1" dirty="0" smtClean="0">
                         <a:latin typeface="Cambria Math" panose="02040503050406030204" pitchFamily="18" charset="0"/>
                       </a:rPr>
                       <m:t>𝑆</m:t>
@@ -26595,71 +26527,294 @@
                   </m:oMath>
                 </a14:m>
                 <a:r>
-                  <a:rPr lang="fa-IR" sz="3600" dirty="0"/>
+                  <a:rPr lang="fa-IR" sz="3800" dirty="0"/>
                   <a:t> </a:t>
                 </a:r>
                 <a:r>
-                  <a:rPr lang="fa-IR" sz="4400" dirty="0"/>
-                  <a:t>خوشه</a:t>
+                  <a:rPr lang="fa-IR" sz="5100" dirty="0" smtClean="0"/>
+                  <a:t>برش</a:t>
                 </a:r>
+                <a:endParaRPr lang="en-US" sz="5100" b="0" i="1" dirty="0" smtClean="0">
+                  <a:latin typeface="Cambria Math" panose="02040503050406030204" pitchFamily="18" charset="0"/>
+                </a:endParaRPr>
               </a:p>
               <a:p>
+                <a:pPr lvl="1"/>
+                <a14:m>
+                  <m:oMath xmlns:m="http://schemas.openxmlformats.org/officeDocument/2006/math">
+                    <m:sSub>
+                      <m:sSubPr>
+                        <m:ctrlPr>
+                          <a:rPr lang="en-US" sz="3200" b="0" i="1" dirty="0" smtClean="0">
+                            <a:latin typeface="Cambria Math" panose="02040503050406030204" pitchFamily="18" charset="0"/>
+                          </a:rPr>
+                        </m:ctrlPr>
+                      </m:sSubPr>
+                      <m:e>
+                        <m:r>
+                          <a:rPr lang="en-US" sz="3200" b="0" i="1" dirty="0" smtClean="0">
+                            <a:latin typeface="Cambria Math" panose="02040503050406030204" pitchFamily="18" charset="0"/>
+                          </a:rPr>
+                          <m:t>𝑅</m:t>
+                        </m:r>
+                      </m:e>
+                      <m:sub>
+                        <m:r>
+                          <a:rPr lang="en-US" sz="3200" b="0" i="1" dirty="0" smtClean="0">
+                            <a:latin typeface="Cambria Math" panose="02040503050406030204" pitchFamily="18" charset="0"/>
+                          </a:rPr>
+                          <m:t>𝑠</m:t>
+                        </m:r>
+                      </m:sub>
+                    </m:sSub>
+                  </m:oMath>
+                </a14:m>
                 <a:r>
-                  <a:rPr lang="fa-IR" sz="4400" dirty="0"/>
-                  <a:t>محدودیت  ظرفیت در لینک </a:t>
+                  <a:rPr lang="fa-IR" sz="3200" dirty="0"/>
+                  <a:t> </a:t>
                 </a:r>
                 <a:r>
-                  <a:rPr lang="en-US" sz="3600" dirty="0" err="1"/>
-                  <a:t>fronthaul</a:t>
+                  <a:rPr lang="fa-IR" sz="4000" dirty="0"/>
+                  <a:t>واحد رادیویی تک </a:t>
                 </a:r>
-                <a:endParaRPr lang="fa-IR" sz="4400" dirty="0"/>
+                <a:r>
+                  <a:rPr lang="fa-IR" sz="4000" dirty="0" smtClean="0"/>
+                  <a:t>آنتنه</a:t>
+                </a:r>
+                <a:endParaRPr lang="en-US" sz="4000" dirty="0" smtClean="0"/>
+              </a:p>
+              <a:p>
+                <a:pPr lvl="1"/>
+                <a14:m>
+                  <m:oMath xmlns:m="http://schemas.openxmlformats.org/officeDocument/2006/math">
+                    <m:sSub>
+                      <m:sSubPr>
+                        <m:ctrlPr>
+                          <a:rPr lang="en-US" sz="4000" b="0" i="1" smtClean="0">
+                            <a:latin typeface="Cambria Math" panose="02040503050406030204" pitchFamily="18" charset="0"/>
+                          </a:rPr>
+                        </m:ctrlPr>
+                      </m:sSubPr>
+                      <m:e>
+                        <m:r>
+                          <a:rPr lang="en-US" sz="4000" b="0" i="1" smtClean="0">
+                            <a:latin typeface="Cambria Math" panose="02040503050406030204" pitchFamily="18" charset="0"/>
+                          </a:rPr>
+                          <m:t>𝐾</m:t>
+                        </m:r>
+                      </m:e>
+                      <m:sub>
+                        <m:r>
+                          <a:rPr lang="en-US" sz="4000" b="0" i="1" smtClean="0">
+                            <a:latin typeface="Cambria Math" panose="02040503050406030204" pitchFamily="18" charset="0"/>
+                          </a:rPr>
+                          <m:t>𝑠</m:t>
+                        </m:r>
+                      </m:sub>
+                    </m:sSub>
+                  </m:oMath>
+                </a14:m>
+                <a:r>
+                  <a:rPr lang="fa-IR" sz="4000" dirty="0" smtClean="0"/>
+                  <a:t> بلوک فیزیکی</a:t>
+                </a:r>
+                <a:endParaRPr lang="en-US" sz="4000" dirty="0" smtClean="0"/>
               </a:p>
               <a:p>
                 <a:pPr lvl="1"/>
                 <a:r>
-                  <a:rPr lang="fa-IR" sz="3600" dirty="0"/>
-                  <a:t>فشرده سازی</a:t>
+                  <a:rPr lang="en-US" sz="4000" dirty="0" smtClean="0"/>
+                  <a:t>DU</a:t>
                 </a:r>
               </a:p>
               <a:p>
+                <a:pPr lvl="2"/>
+                <a14:m>
+                  <m:oMath xmlns:m="http://schemas.openxmlformats.org/officeDocument/2006/math">
+                    <m:r>
+                      <a:rPr lang="en-US" sz="3800" b="0" i="1" smtClean="0">
+                        <a:latin typeface="Cambria Math" panose="02040503050406030204" pitchFamily="18" charset="0"/>
+                      </a:rPr>
+                      <m:t> </m:t>
+                    </m:r>
+                    <m:r>
+                      <a:rPr lang="fa-IR" sz="3800" b="0" i="1" smtClean="0">
+                        <a:latin typeface="Cambria Math" panose="02040503050406030204" pitchFamily="18" charset="0"/>
+                      </a:rPr>
+                      <m:t> </m:t>
+                    </m:r>
+                    <m:sSub>
+                      <m:sSubPr>
+                        <m:ctrlPr>
+                          <a:rPr lang="en-US" sz="3800" b="0" i="1" smtClean="0">
+                            <a:latin typeface="Cambria Math" panose="02040503050406030204" pitchFamily="18" charset="0"/>
+                          </a:rPr>
+                        </m:ctrlPr>
+                      </m:sSubPr>
+                      <m:e>
+                        <m:r>
+                          <a:rPr lang="en-US" sz="3800" b="0" i="1" smtClean="0">
+                            <a:latin typeface="Cambria Math" panose="02040503050406030204" pitchFamily="18" charset="0"/>
+                          </a:rPr>
+                          <m:t>𝑀</m:t>
+                        </m:r>
+                      </m:e>
+                      <m:sub>
+                        <m:r>
+                          <a:rPr lang="en-US" sz="3800" b="0" i="1" smtClean="0">
+                            <a:latin typeface="Cambria Math" panose="02040503050406030204" pitchFamily="18" charset="0"/>
+                          </a:rPr>
+                          <m:t>𝑠</m:t>
+                        </m:r>
+                        <m:r>
+                          <a:rPr lang="en-US" sz="3800" b="0" i="1" smtClean="0">
+                            <a:latin typeface="Cambria Math" panose="02040503050406030204" pitchFamily="18" charset="0"/>
+                          </a:rPr>
+                          <m:t>,</m:t>
+                        </m:r>
+                        <m:r>
+                          <a:rPr lang="en-US" sz="3800" b="0" i="1" smtClean="0">
+                            <a:latin typeface="Cambria Math" panose="02040503050406030204" pitchFamily="18" charset="0"/>
+                          </a:rPr>
+                          <m:t>1</m:t>
+                        </m:r>
+                      </m:sub>
+                    </m:sSub>
+                  </m:oMath>
+                </a14:m>
                 <a:r>
-                  <a:rPr lang="fa-IR" sz="3800" dirty="0"/>
-                  <a:t>برای </a:t>
+                  <a:rPr lang="fa-IR" sz="3800" dirty="0" smtClean="0"/>
+                  <a:t>تا </a:t>
                 </a:r>
                 <a:r>
-                  <a:rPr lang="en-US" sz="3600" dirty="0"/>
+                  <a:rPr lang="en-US" sz="3800" dirty="0" smtClean="0"/>
+                  <a:t>VNF</a:t>
+                </a:r>
+              </a:p>
+              <a:p>
+                <a:pPr lvl="1"/>
+                <a:r>
+                  <a:rPr lang="en-US" sz="4000" dirty="0" smtClean="0"/>
+                  <a:t>CU</a:t>
+                </a:r>
+              </a:p>
+              <a:p>
+                <a:pPr lvl="2"/>
+                <a14:m>
+                  <m:oMath xmlns:m="http://schemas.openxmlformats.org/officeDocument/2006/math">
+                    <m:r>
+                      <a:rPr lang="fa-IR" sz="4400" i="1">
+                        <a:latin typeface="Cambria Math" panose="02040503050406030204" pitchFamily="18" charset="0"/>
+                      </a:rPr>
+                      <m:t> </m:t>
+                    </m:r>
+                    <m:sSub>
+                      <m:sSubPr>
+                        <m:ctrlPr>
+                          <a:rPr lang="en-US" sz="4400" i="1">
+                            <a:latin typeface="Cambria Math" panose="02040503050406030204" pitchFamily="18" charset="0"/>
+                          </a:rPr>
+                        </m:ctrlPr>
+                      </m:sSubPr>
+                      <m:e>
+                        <m:r>
+                          <a:rPr lang="en-US" sz="4400" i="1">
+                            <a:latin typeface="Cambria Math" panose="02040503050406030204" pitchFamily="18" charset="0"/>
+                          </a:rPr>
+                          <m:t>𝑀</m:t>
+                        </m:r>
+                      </m:e>
+                      <m:sub>
+                        <m:r>
+                          <a:rPr lang="en-US" sz="4400" i="1">
+                            <a:latin typeface="Cambria Math" panose="02040503050406030204" pitchFamily="18" charset="0"/>
+                          </a:rPr>
+                          <m:t>𝑠</m:t>
+                        </m:r>
+                        <m:r>
+                          <a:rPr lang="en-US" sz="4400" i="1">
+                            <a:latin typeface="Cambria Math" panose="02040503050406030204" pitchFamily="18" charset="0"/>
+                          </a:rPr>
+                          <m:t>,</m:t>
+                        </m:r>
+                        <m:r>
+                          <a:rPr lang="en-US" sz="4400" i="1">
+                            <a:latin typeface="Cambria Math" panose="02040503050406030204" pitchFamily="18" charset="0"/>
+                          </a:rPr>
+                          <m:t>1</m:t>
+                        </m:r>
+                      </m:sub>
+                    </m:sSub>
+                  </m:oMath>
+                </a14:m>
+                <a:r>
+                  <a:rPr lang="fa-IR" sz="4400" dirty="0"/>
+                  <a:t>تا </a:t>
+                </a:r>
+                <a:r>
+                  <a:rPr lang="en-US" sz="4400" dirty="0"/>
+                  <a:t>VNF</a:t>
+                </a:r>
+                <a:endParaRPr lang="fa-IR" sz="4200" dirty="0"/>
+              </a:p>
+              <a:p>
+                <a:r>
+                  <a:rPr lang="en-US" sz="3800" dirty="0" smtClean="0"/>
                   <a:t>v</a:t>
                 </a:r>
                 <a:r>
-                  <a:rPr lang="fa-IR" sz="3600" dirty="0"/>
+                  <a:rPr lang="fa-IR" sz="3800" dirty="0" smtClean="0"/>
                   <a:t> </a:t>
                 </a:r>
                 <a:r>
-                  <a:rPr lang="fa-IR" sz="3800" dirty="0"/>
-                  <a:t>امین خوشه</a:t>
+                  <a:rPr lang="fa-IR" sz="4200" dirty="0" smtClean="0"/>
+                  <a:t>سرویس</a:t>
                 </a:r>
               </a:p>
               <a:p>
+                <a:pPr lvl="1"/>
+                <a14:m>
+                  <m:oMath xmlns:m="http://schemas.openxmlformats.org/officeDocument/2006/math">
+                    <m:sSub>
+                      <m:sSubPr>
+                        <m:ctrlPr>
+                          <a:rPr lang="en-US" sz="2800" i="1">
+                            <a:latin typeface="Cambria Math" panose="02040503050406030204" pitchFamily="18" charset="0"/>
+                          </a:rPr>
+                        </m:ctrlPr>
+                      </m:sSubPr>
+                      <m:e>
+                        <m:r>
+                          <a:rPr lang="en-US" sz="2800" i="1">
+                            <a:latin typeface="Cambria Math" panose="02040503050406030204" pitchFamily="18" charset="0"/>
+                          </a:rPr>
+                          <m:t>𝑈</m:t>
+                        </m:r>
+                      </m:e>
+                      <m:sub>
+                        <m:r>
+                          <a:rPr lang="en-US" sz="2800" i="1">
+                            <a:latin typeface="Cambria Math" panose="02040503050406030204" pitchFamily="18" charset="0"/>
+                          </a:rPr>
+                          <m:t>𝑣</m:t>
+                        </m:r>
+                      </m:sub>
+                    </m:sSub>
+                  </m:oMath>
+                </a14:m>
                 <a:r>
-                  <a:rPr lang="fa-IR" sz="3800" dirty="0"/>
-                  <a:t>سیگنال دریافتی توسط دسته اي</a:t>
-                </a:r>
-                <a:r>
-                  <a:rPr lang="en-US" sz="3800" dirty="0"/>
+                  <a:rPr lang="fa-IR" sz="2800" dirty="0"/>
                   <a:t> </a:t>
                 </a:r>
                 <a:r>
-                  <a:rPr lang="fa-IR" sz="3800" dirty="0"/>
-                  <a:t>از کاربران در </a:t>
+                  <a:rPr lang="fa-IR" sz="3600" dirty="0"/>
+                  <a:t>کاربر تک </a:t>
                 </a:r>
                 <a:r>
-                  <a:rPr lang="en-US" sz="3800" i="1" dirty="0"/>
-                  <a:t>s</a:t>
+                  <a:rPr lang="fa-IR" sz="3600" dirty="0" smtClean="0"/>
+                  <a:t>آنتنه</a:t>
                 </a:r>
-                <a:r>
-                  <a:rPr lang="fa-IR" sz="3800" dirty="0"/>
-                  <a:t>امین خوشه </a:t>
-                </a:r>
+                <a:endParaRPr lang="fa-IR" sz="3400" dirty="0"/>
               </a:p>
               <a:p>
                 <a:endParaRPr lang="fa-IR" sz="2800" dirty="0"/>
@@ -26693,7 +26848,7 @@
             </p:txBody>
           </p:sp>
         </mc:Choice>
-        <mc:Fallback xmlns="">
+        <mc:Fallback>
           <p:sp>
             <p:nvSpPr>
               <p:cNvPr id="3" name="Content Placeholder 2"/>
@@ -26706,13 +26861,13 @@
             </p:nvSpPr>
             <p:spPr>
               <a:xfrm>
-                <a:off x="1605516" y="1552847"/>
-                <a:ext cx="8915400" cy="4524179"/>
+                <a:off x="1012805" y="1658706"/>
+                <a:ext cx="9488950" cy="4694939"/>
               </a:xfrm>
-              <a:blipFill rotWithShape="0">
+              <a:blipFill>
                 <a:blip r:embed="rId2"/>
                 <a:stretch>
-                  <a:fillRect t="-2291" r="-957"/>
+                  <a:fillRect t="-1818" r="-514"/>
                 </a:stretch>
               </a:blipFill>
             </p:spPr>
@@ -26760,13 +26915,19 @@
       </p:sp>
       <p:sp>
         <p:nvSpPr>
-          <p:cNvPr id="5" name="Rounded Rectangle 4"/>
+          <p:cNvPr id="16" name="Rounded Rectangle 15">
+            <a:extLst>
+              <a:ext uri="{FF2B5EF4-FFF2-40B4-BE49-F238E27FC236}">
+                <a16:creationId xmlns:a16="http://schemas.microsoft.com/office/drawing/2014/main" id="{5CA220EA-4AFC-4AC8-8966-6013F09A17D7}"/>
+              </a:ext>
+            </a:extLst>
+          </p:cNvPr>
           <p:cNvSpPr/>
           <p:nvPr/>
         </p:nvSpPr>
         <p:spPr>
           <a:xfrm>
-            <a:off x="10688098" y="617382"/>
+            <a:off x="10782746" y="1177835"/>
             <a:ext cx="1300766" cy="5586089"/>
           </a:xfrm>
           <a:prstGeom prst="roundRect">
@@ -26823,19 +26984,27 @@
           <a:lstStyle/>
           <a:p>
             <a:pPr algn="ctr"/>
-            <a:endParaRPr lang="en-US"/>
-          </a:p>
-        </p:txBody>
-      </p:sp>
-      <p:sp>
-        <p:nvSpPr>
-          <p:cNvPr id="6" name="Rectangle 5"/>
+            <a:endParaRPr lang="en-US" sz="1500">
+              <a:cs typeface="B Nazanin" panose="00000400000000000000" pitchFamily="2" charset="-78"/>
+            </a:endParaRPr>
+          </a:p>
+        </p:txBody>
+      </p:sp>
+      <p:sp>
+        <p:nvSpPr>
+          <p:cNvPr id="17" name="Rectangle 16">
+            <a:extLst>
+              <a:ext uri="{FF2B5EF4-FFF2-40B4-BE49-F238E27FC236}">
+                <a16:creationId xmlns:a16="http://schemas.microsoft.com/office/drawing/2014/main" id="{268CB366-97C1-436E-B473-11C0B8A2B94B}"/>
+              </a:ext>
+            </a:extLst>
+          </p:cNvPr>
           <p:cNvSpPr/>
           <p:nvPr/>
         </p:nvSpPr>
         <p:spPr>
           <a:xfrm>
-            <a:off x="10894160" y="799979"/>
+            <a:off x="10975929" y="1382087"/>
             <a:ext cx="927279" cy="872108"/>
           </a:xfrm>
           <a:prstGeom prst="rect">
@@ -26889,13 +27058,19 @@
       </p:sp>
       <p:sp>
         <p:nvSpPr>
-          <p:cNvPr id="7" name="Rectangle 6"/>
+          <p:cNvPr id="18" name="Rectangle 17">
+            <a:extLst>
+              <a:ext uri="{FF2B5EF4-FFF2-40B4-BE49-F238E27FC236}">
+                <a16:creationId xmlns:a16="http://schemas.microsoft.com/office/drawing/2014/main" id="{4BD395B4-C568-4FE4-8C83-4C5CAA018C54}"/>
+              </a:ext>
+            </a:extLst>
+          </p:cNvPr>
           <p:cNvSpPr/>
           <p:nvPr/>
         </p:nvSpPr>
         <p:spPr>
           <a:xfrm>
-            <a:off x="10894160" y="1803104"/>
+            <a:off x="10975929" y="2361423"/>
             <a:ext cx="914400" cy="914400"/>
           </a:xfrm>
           <a:prstGeom prst="rect">
@@ -26907,6 +27082,14 @@
               <a:lumOff val="40000"/>
             </a:schemeClr>
           </a:solidFill>
+          <a:ln>
+            <a:solidFill>
+              <a:schemeClr val="tx2">
+                <a:lumMod val="60000"/>
+                <a:lumOff val="40000"/>
+              </a:schemeClr>
+            </a:solidFill>
+          </a:ln>
         </p:spPr>
         <p:style>
           <a:lnRef idx="2">
@@ -26930,7 +27113,7 @@
           <a:p>
             <a:pPr algn="ctr"/>
             <a:r>
-              <a:rPr lang="fa-IR" dirty="0">
+              <a:rPr lang="fa-IR" sz="1500" dirty="0">
                 <a:solidFill>
                   <a:schemeClr val="tx1"/>
                 </a:solidFill>
@@ -26938,7 +27121,7 @@
               </a:rPr>
               <a:t>پیشینه ی تحقیق</a:t>
             </a:r>
-            <a:endParaRPr lang="en-US" dirty="0">
+            <a:endParaRPr lang="en-US" sz="1500" dirty="0">
               <a:solidFill>
                 <a:schemeClr val="tx1"/>
               </a:solidFill>
@@ -26949,24 +27132,32 @@
       </p:sp>
       <p:sp>
         <p:nvSpPr>
-          <p:cNvPr id="8" name="Rectangle 7"/>
+          <p:cNvPr id="19" name="Rectangle 18">
+            <a:extLst>
+              <a:ext uri="{FF2B5EF4-FFF2-40B4-BE49-F238E27FC236}">
+                <a16:creationId xmlns:a16="http://schemas.microsoft.com/office/drawing/2014/main" id="{1967F121-CEC3-4B97-8062-058D15C8F6D9}"/>
+              </a:ext>
+            </a:extLst>
+          </p:cNvPr>
           <p:cNvSpPr/>
           <p:nvPr/>
         </p:nvSpPr>
         <p:spPr>
           <a:xfrm>
-            <a:off x="10894160" y="2848521"/>
-            <a:ext cx="914400" cy="914400"/>
+            <a:off x="10982668" y="3311326"/>
+            <a:ext cx="907660" cy="1343185"/>
           </a:xfrm>
           <a:prstGeom prst="rect">
             <a:avLst/>
           </a:prstGeom>
           <a:solidFill>
-            <a:schemeClr val="tx2">
-              <a:lumMod val="60000"/>
-              <a:lumOff val="40000"/>
-            </a:schemeClr>
+            <a:schemeClr val="accent1"/>
           </a:solidFill>
+          <a:ln>
+            <a:solidFill>
+              <a:schemeClr val="accent1"/>
+            </a:solidFill>
+          </a:ln>
         </p:spPr>
         <p:style>
           <a:lnRef idx="2">
@@ -26990,15 +27181,15 @@
           <a:p>
             <a:pPr algn="ctr"/>
             <a:r>
-              <a:rPr lang="fa-IR" sz="1400" b="1" dirty="0">
+              <a:rPr lang="fa-IR" sz="1500" b="1" dirty="0">
                 <a:solidFill>
                   <a:schemeClr val="bg1"/>
                 </a:solidFill>
                 <a:cs typeface="B Nazanin" panose="00000400000000000000" pitchFamily="2" charset="-78"/>
               </a:rPr>
-              <a:t>تخصیص منابع در لینک فروسو</a:t>
-            </a:r>
-            <a:endParaRPr lang="en-US" sz="1400" b="1" dirty="0">
+              <a:t>تخصیص منابع در شبکه دسترسی رادیویی باز </a:t>
+            </a:r>
+            <a:endParaRPr lang="en-US" sz="1500" b="1" dirty="0">
               <a:solidFill>
                 <a:schemeClr val="bg1"/>
               </a:solidFill>
@@ -27009,13 +27200,19 @@
       </p:sp>
       <p:sp>
         <p:nvSpPr>
-          <p:cNvPr id="9" name="Rectangle 8"/>
+          <p:cNvPr id="20" name="Rectangle 19">
+            <a:extLst>
+              <a:ext uri="{FF2B5EF4-FFF2-40B4-BE49-F238E27FC236}">
+                <a16:creationId xmlns:a16="http://schemas.microsoft.com/office/drawing/2014/main" id="{92B5EB91-6867-4210-98DE-9C6E48E31DF3}"/>
+              </a:ext>
+            </a:extLst>
+          </p:cNvPr>
           <p:cNvSpPr/>
           <p:nvPr/>
         </p:nvSpPr>
         <p:spPr>
           <a:xfrm>
-            <a:off x="10894160" y="3893938"/>
+            <a:off x="10988808" y="4701317"/>
             <a:ext cx="914400" cy="914400"/>
           </a:xfrm>
           <a:prstGeom prst="rect">
@@ -27068,35 +27265,41 @@
           <a:bodyPr rtlCol="0" anchor="ctr"/>
           <a:lstStyle/>
           <a:p>
-            <a:pPr algn="ctr"/>
-            <a:r>
-              <a:rPr lang="fa-IR" sz="1400" dirty="0">
+            <a:pPr algn="ctr" rtl="1"/>
+            <a:r>
+              <a:rPr lang="fa-IR" sz="1500" dirty="0">
                 <a:solidFill>
                   <a:schemeClr val="tx1"/>
                 </a:solidFill>
-                <a:cs typeface="B Nazanin" panose="00000400000000000000" pitchFamily="2" charset="-78"/>
+                <a:cs typeface="B Nazanin" pitchFamily="2" charset="-78"/>
               </a:rPr>
-              <a:t>تخصیص منابع در لینک فراسو</a:t>
-            </a:r>
-            <a:endParaRPr lang="en-US" dirty="0">
+              <a:t>تخصیص برش شبکه به صورت دینامیکی</a:t>
+            </a:r>
+            <a:endParaRPr lang="en-US" sz="1500" dirty="0">
               <a:solidFill>
                 <a:schemeClr val="tx1"/>
               </a:solidFill>
-              <a:cs typeface="B Nazanin" panose="00000400000000000000" pitchFamily="2" charset="-78"/>
+              <a:cs typeface="B Nazanin" pitchFamily="2" charset="-78"/>
             </a:endParaRPr>
           </a:p>
         </p:txBody>
       </p:sp>
       <p:sp>
         <p:nvSpPr>
-          <p:cNvPr id="10" name="Rectangle 9"/>
+          <p:cNvPr id="21" name="Rectangle 20">
+            <a:extLst>
+              <a:ext uri="{FF2B5EF4-FFF2-40B4-BE49-F238E27FC236}">
+                <a16:creationId xmlns:a16="http://schemas.microsoft.com/office/drawing/2014/main" id="{043FCFD6-E24B-444D-B891-C4D66ED6A729}"/>
+              </a:ext>
+            </a:extLst>
+          </p:cNvPr>
           <p:cNvSpPr/>
           <p:nvPr/>
         </p:nvSpPr>
         <p:spPr>
           <a:xfrm>
-            <a:off x="10874841" y="4939354"/>
-            <a:ext cx="933719" cy="1096691"/>
+            <a:off x="10975929" y="5747865"/>
+            <a:ext cx="914400" cy="1005335"/>
           </a:xfrm>
           <a:prstGeom prst="rect">
             <a:avLst/>
@@ -27150,15 +27353,15 @@
           <a:p>
             <a:pPr algn="ctr"/>
             <a:r>
-              <a:rPr lang="fa-IR" sz="1400" dirty="0">
+              <a:rPr lang="fa-IR" sz="1500" dirty="0">
                 <a:solidFill>
                   <a:schemeClr val="tx1"/>
                 </a:solidFill>
                 <a:cs typeface="B Nazanin" panose="00000400000000000000" pitchFamily="2" charset="-78"/>
               </a:rPr>
-              <a:t>تخصیص منابع به صورت تقسیم زمانی</a:t>
-            </a:r>
-            <a:endParaRPr lang="en-US" sz="1400" dirty="0">
+              <a:t>نتیجه گیری و پیشنهادات</a:t>
+            </a:r>
+            <a:endParaRPr lang="en-US" sz="1500" dirty="0">
               <a:solidFill>
                 <a:schemeClr val="tx1"/>
               </a:solidFill>
@@ -27167,102 +27370,6 @@
           </a:p>
         </p:txBody>
       </p:sp>
-      <p:pic>
-        <p:nvPicPr>
-          <p:cNvPr id="12" name="Picture 11"/>
-          <p:cNvPicPr>
-            <a:picLocks noChangeAspect="1"/>
-          </p:cNvPicPr>
-          <p:nvPr/>
-        </p:nvPicPr>
-        <p:blipFill>
-          <a:blip r:embed="rId3"/>
-          <a:stretch>
-            <a:fillRect/>
-          </a:stretch>
-        </p:blipFill>
-        <p:spPr>
-          <a:xfrm>
-            <a:off x="1605516" y="2745607"/>
-            <a:ext cx="3429000" cy="1190625"/>
-          </a:xfrm>
-          <a:prstGeom prst="rect">
-            <a:avLst/>
-          </a:prstGeom>
-        </p:spPr>
-      </p:pic>
-      <p:pic>
-        <p:nvPicPr>
-          <p:cNvPr id="13" name="Picture 12"/>
-          <p:cNvPicPr>
-            <a:picLocks noChangeAspect="1"/>
-          </p:cNvPicPr>
-          <p:nvPr/>
-        </p:nvPicPr>
-        <p:blipFill>
-          <a:blip r:embed="rId4"/>
-          <a:stretch>
-            <a:fillRect/>
-          </a:stretch>
-        </p:blipFill>
-        <p:spPr>
-          <a:xfrm>
-            <a:off x="1590068" y="4443938"/>
-            <a:ext cx="2905125" cy="781050"/>
-          </a:xfrm>
-          <a:prstGeom prst="rect">
-            <a:avLst/>
-          </a:prstGeom>
-        </p:spPr>
-      </p:pic>
-      <p:pic>
-        <p:nvPicPr>
-          <p:cNvPr id="14" name="Picture 13"/>
-          <p:cNvPicPr>
-            <a:picLocks noChangeAspect="1"/>
-          </p:cNvPicPr>
-          <p:nvPr/>
-        </p:nvPicPr>
-        <p:blipFill>
-          <a:blip r:embed="rId5"/>
-          <a:stretch>
-            <a:fillRect/>
-          </a:stretch>
-        </p:blipFill>
-        <p:spPr>
-          <a:xfrm>
-            <a:off x="1590068" y="5199726"/>
-            <a:ext cx="1924050" cy="609600"/>
-          </a:xfrm>
-          <a:prstGeom prst="rect">
-            <a:avLst/>
-          </a:prstGeom>
-        </p:spPr>
-      </p:pic>
-      <p:pic>
-        <p:nvPicPr>
-          <p:cNvPr id="15" name="Picture 14"/>
-          <p:cNvPicPr>
-            <a:picLocks noChangeAspect="1"/>
-          </p:cNvPicPr>
-          <p:nvPr/>
-        </p:nvPicPr>
-        <p:blipFill>
-          <a:blip r:embed="rId6"/>
-          <a:stretch>
-            <a:fillRect/>
-          </a:stretch>
-        </p:blipFill>
-        <p:spPr>
-          <a:xfrm>
-            <a:off x="1590068" y="5755057"/>
-            <a:ext cx="2276475" cy="561975"/>
-          </a:xfrm>
-          <a:prstGeom prst="rect">
-            <a:avLst/>
-          </a:prstGeom>
-        </p:spPr>
-      </p:pic>
     </p:spTree>
     <p:extLst>
       <p:ext uri="{BB962C8B-B14F-4D97-AF65-F5344CB8AC3E}">

--- a/Latex/tehran-thesis - Copy/proposal.pptx
+++ b/Latex/tehran-thesis - Copy/proposal.pptx
@@ -255,7 +255,7 @@
           <a:p>
             <a:fld id="{63335B88-4C89-4578-A075-4D3E83B0A887}" type="datetimeFigureOut">
               <a:rPr lang="en-US" smtClean="0"/>
-              <a:t>10/26/2020</a:t>
+              <a:t>10/28/2020</a:t>
             </a:fld>
             <a:endParaRPr lang="en-US"/>
           </a:p>
@@ -881,7 +881,7 @@
           <a:p>
             <a:fld id="{E2D1834A-6298-41C1-97D2-8964EEE37E5F}" type="datetime1">
               <a:rPr lang="en-US" smtClean="0"/>
-              <a:t>10/26/2020</a:t>
+              <a:t>10/28/2020</a:t>
             </a:fld>
             <a:endParaRPr lang="en-US" dirty="0"/>
           </a:p>
@@ -1285,7 +1285,7 @@
           <a:p>
             <a:fld id="{D456B403-6700-4904-B8DE-9E354D35E0FD}" type="datetime1">
               <a:rPr lang="en-US" smtClean="0"/>
-              <a:t>10/26/2020</a:t>
+              <a:t>10/28/2020</a:t>
             </a:fld>
             <a:endParaRPr lang="en-US" dirty="0"/>
           </a:p>
@@ -1682,7 +1682,7 @@
           <a:p>
             <a:fld id="{2B210D9F-507C-4382-A05F-83176C7C63BD}" type="datetime1">
               <a:rPr lang="en-US" smtClean="0"/>
-              <a:t>10/26/2020</a:t>
+              <a:t>10/28/2020</a:t>
             </a:fld>
             <a:endParaRPr lang="en-US" dirty="0"/>
           </a:p>
@@ -2014,7 +2014,7 @@
           <a:p>
             <a:fld id="{318A7616-395E-432F-B3EF-9039C9F81BBF}" type="datetime1">
               <a:rPr lang="en-US" smtClean="0"/>
-              <a:t>10/26/2020</a:t>
+              <a:t>10/28/2020</a:t>
             </a:fld>
             <a:endParaRPr lang="en-US" dirty="0"/>
           </a:p>
@@ -2330,7 +2330,7 @@
           <a:p>
             <a:fld id="{F916A641-5AA9-4DC4-A36C-7E323FA5682C}" type="datetime1">
               <a:rPr lang="en-US" smtClean="0"/>
-              <a:t>10/26/2020</a:t>
+              <a:t>10/28/2020</a:t>
             </a:fld>
             <a:endParaRPr lang="en-US" dirty="0"/>
           </a:p>
@@ -2722,7 +2722,7 @@
           <a:p>
             <a:fld id="{1B0114DC-C73C-46AD-AF41-1F5DB3ACAF9A}" type="datetime1">
               <a:rPr lang="en-US" smtClean="0"/>
-              <a:t>10/26/2020</a:t>
+              <a:t>10/28/2020</a:t>
             </a:fld>
             <a:endParaRPr lang="en-US" dirty="0"/>
           </a:p>
@@ -2975,7 +2975,7 @@
           <a:p>
             <a:fld id="{F680C839-69B2-4C55-BDAC-5D34F86FB20F}" type="datetime1">
               <a:rPr lang="en-US" smtClean="0"/>
-              <a:t>10/26/2020</a:t>
+              <a:t>10/28/2020</a:t>
             </a:fld>
             <a:endParaRPr lang="en-US" dirty="0"/>
           </a:p>
@@ -3233,7 +3233,7 @@
           <a:p>
             <a:fld id="{9582384A-88BF-4734-BE24-7E176DAFB9EA}" type="datetime1">
               <a:rPr lang="en-US" smtClean="0"/>
-              <a:t>10/26/2020</a:t>
+              <a:t>10/28/2020</a:t>
             </a:fld>
             <a:endParaRPr lang="en-US" dirty="0"/>
           </a:p>
@@ -3605,7 +3605,7 @@
           <a:p>
             <a:fld id="{5E6885D2-F37E-4217-A7F1-AD646E474FB1}" type="datetime1">
               <a:rPr lang="en-US" smtClean="0"/>
-              <a:t>10/26/2020</a:t>
+              <a:t>10/28/2020</a:t>
             </a:fld>
             <a:endParaRPr lang="en-US" dirty="0"/>
           </a:p>
@@ -4005,7 +4005,7 @@
           <a:p>
             <a:fld id="{1FAF84E9-C801-4668-B7D5-43E19716F29F}" type="datetime1">
               <a:rPr lang="en-US" smtClean="0"/>
-              <a:t>10/26/2020</a:t>
+              <a:t>10/28/2020</a:t>
             </a:fld>
             <a:endParaRPr lang="en-US" dirty="0"/>
           </a:p>
@@ -4394,7 +4394,7 @@
           <a:p>
             <a:fld id="{E271A801-A131-4D68-864C-2457A2486860}" type="datetime1">
               <a:rPr lang="en-US" smtClean="0"/>
-              <a:t>10/26/2020</a:t>
+              <a:t>10/28/2020</a:t>
             </a:fld>
             <a:endParaRPr lang="en-US" dirty="0"/>
           </a:p>
@@ -4907,7 +4907,7 @@
           <a:p>
             <a:fld id="{F67C1E7D-19CD-42FC-9274-120DB03787E1}" type="datetime1">
               <a:rPr lang="en-US" smtClean="0"/>
-              <a:t>10/26/2020</a:t>
+              <a:t>10/28/2020</a:t>
             </a:fld>
             <a:endParaRPr lang="en-US" dirty="0"/>
           </a:p>
@@ -5108,7 +5108,7 @@
           <a:p>
             <a:fld id="{33D71D7E-B49D-41F0-ACD9-E1F0291AB812}" type="datetime1">
               <a:rPr lang="en-US" smtClean="0"/>
-              <a:t>10/26/2020</a:t>
+              <a:t>10/28/2020</a:t>
             </a:fld>
             <a:endParaRPr lang="en-US" dirty="0"/>
           </a:p>
@@ -5346,7 +5346,7 @@
           <a:p>
             <a:fld id="{17E8399F-6DC9-4AB2-8CE4-3068FE1F18A2}" type="datetime1">
               <a:rPr lang="en-US" smtClean="0"/>
-              <a:t>10/26/2020</a:t>
+              <a:t>10/28/2020</a:t>
             </a:fld>
             <a:endParaRPr lang="en-US" dirty="0"/>
           </a:p>
@@ -5675,7 +5675,7 @@
           <a:p>
             <a:fld id="{573DFDFD-4869-4A5D-8971-25F2E660517A}" type="datetime1">
               <a:rPr lang="en-US" smtClean="0"/>
-              <a:t>10/26/2020</a:t>
+              <a:t>10/28/2020</a:t>
             </a:fld>
             <a:endParaRPr lang="en-US" dirty="0"/>
           </a:p>
@@ -6016,7 +6016,7 @@
           <a:p>
             <a:fld id="{07765C4D-C331-4AFE-A546-14DBA7813602}" type="datetime1">
               <a:rPr lang="en-US" smtClean="0"/>
-              <a:t>10/26/2020</a:t>
+              <a:t>10/28/2020</a:t>
             </a:fld>
             <a:endParaRPr lang="en-US" dirty="0"/>
           </a:p>
@@ -8129,7 +8129,7 @@
           <a:p>
             <a:fld id="{FEB4F27F-BEC0-40D1-B51D-7815B07F5487}" type="datetime1">
               <a:rPr lang="en-US" smtClean="0"/>
-              <a:t>10/26/2020</a:t>
+              <a:t>10/28/2020</a:t>
             </a:fld>
             <a:endParaRPr lang="en-US" dirty="0"/>
           </a:p>
@@ -16789,8 +16789,8 @@
           <a:p>
             <a:pPr lvl="1"/>
             <a:r>
-              <a:rPr lang="ar-IQ" dirty="0"/>
-              <a:t>استقرار عملکرد شبکه انعطاف پذیر </a:t>
+              <a:rPr lang="fa-IR" dirty="0"/>
+              <a:t>مقیاس گذاری پویا</a:t>
             </a:r>
             <a:br>
               <a:rPr lang="ar-IQ" dirty="0"/>
@@ -20853,7 +20853,7 @@
           <a:p>
             <a:r>
               <a:rPr lang="fa-IR" dirty="0"/>
-              <a:t>مسئله کوله پشتی</a:t>
+              <a:t>مسئله بسته بندی جعبه</a:t>
             </a:r>
             <a:endParaRPr lang="en-US" dirty="0"/>
           </a:p>
@@ -26620,8 +26620,8 @@
           </a:p>
         </p:txBody>
       </p:sp>
-      <mc:AlternateContent xmlns:mc="http://schemas.openxmlformats.org/markup-compatibility/2006">
-        <mc:Choice xmlns:a14="http://schemas.microsoft.com/office/drawing/2010/main" Requires="a14">
+      <mc:AlternateContent xmlns:mc="http://schemas.openxmlformats.org/markup-compatibility/2006" xmlns:a14="http://schemas.microsoft.com/office/drawing/2010/main">
+        <mc:Choice Requires="a14">
           <p:sp>
             <p:nvSpPr>
               <p:cNvPr id="3" name="Content Placeholder 2"/>
@@ -26960,7 +26960,7 @@
             </p:txBody>
           </p:sp>
         </mc:Choice>
-        <mc:Fallback>
+        <mc:Fallback xmlns="">
           <p:sp>
             <p:nvSpPr>
               <p:cNvPr id="3" name="Content Placeholder 2"/>
@@ -27510,7 +27510,7 @@
           <a:graphicData uri="http://schemas.openxmlformats.org/presentationml/2006/ole">
             <mc:AlternateContent xmlns:mc="http://schemas.openxmlformats.org/markup-compatibility/2006">
               <mc:Choice xmlns:v="urn:schemas-microsoft-com:vml" Requires="v">
-                <p:oleObj spid="_x0000_s2052" name="PDF" r:id="rId4" imgW="0" imgH="360" progId="FoxitReader.Document">
+                <p:oleObj spid="_x0000_s2054" name="PDF" r:id="rId4" imgW="0" imgH="360" progId="FoxitReader.Document">
                   <p:embed/>
                 </p:oleObj>
               </mc:Choice>
@@ -28336,8 +28336,8 @@
           </a:p>
         </p:txBody>
       </p:sp>
-      <mc:AlternateContent xmlns:mc="http://schemas.openxmlformats.org/markup-compatibility/2006">
-        <mc:Choice xmlns:a14="http://schemas.microsoft.com/office/drawing/2010/main" Requires="a14">
+      <mc:AlternateContent xmlns:mc="http://schemas.openxmlformats.org/markup-compatibility/2006" xmlns:a14="http://schemas.microsoft.com/office/drawing/2010/main">
+        <mc:Choice Requires="a14">
           <p:sp>
             <p:nvSpPr>
               <p:cNvPr id="3" name="Content Placeholder 2">
@@ -28587,7 +28587,7 @@
             </p:txBody>
           </p:sp>
         </mc:Choice>
-        <mc:Fallback>
+        <mc:Fallback xmlns="">
           <p:sp>
             <p:nvSpPr>
               <p:cNvPr id="3" name="Content Placeholder 2">
@@ -30061,8 +30061,8 @@
           </a:p>
         </p:txBody>
       </p:sp>
-      <mc:AlternateContent xmlns:mc="http://schemas.openxmlformats.org/markup-compatibility/2006">
-        <mc:Choice xmlns:a14="http://schemas.microsoft.com/office/drawing/2010/main" Requires="a14">
+      <mc:AlternateContent xmlns:mc="http://schemas.openxmlformats.org/markup-compatibility/2006" xmlns:a14="http://schemas.microsoft.com/office/drawing/2010/main">
+        <mc:Choice Requires="a14">
           <p:sp>
             <p:nvSpPr>
               <p:cNvPr id="3" name="Content Placeholder 2">
@@ -30428,7 +30428,7 @@
             </p:txBody>
           </p:sp>
         </mc:Choice>
-        <mc:Fallback>
+        <mc:Fallback xmlns="">
           <p:sp>
             <p:nvSpPr>
               <p:cNvPr id="3" name="Content Placeholder 2">
@@ -38270,8 +38270,8 @@
           </a:p>
         </p:txBody>
       </p:sp>
-      <mc:AlternateContent xmlns:mc="http://schemas.openxmlformats.org/markup-compatibility/2006">
-        <mc:Choice xmlns:a14="http://schemas.microsoft.com/office/drawing/2010/main" Requires="a14">
+      <mc:AlternateContent xmlns:mc="http://schemas.openxmlformats.org/markup-compatibility/2006" xmlns:a14="http://schemas.microsoft.com/office/drawing/2010/main">
+        <mc:Choice Requires="a14">
           <p:sp>
             <p:nvSpPr>
               <p:cNvPr id="3" name="Content Placeholder 2">
@@ -38515,7 +38515,6 @@
                 <a:endParaRPr lang="en-US" dirty="0"/>
               </a:p>
               <a:p>
-                <a:pPr/>
                 <a:r>
                   <a:rPr lang="fa-IR" dirty="0">
                     <a:solidFill>
@@ -38778,7 +38777,7 @@
             </p:txBody>
           </p:sp>
         </mc:Choice>
-        <mc:Fallback>
+        <mc:Fallback xmlns="">
           <p:sp>
             <p:nvSpPr>
               <p:cNvPr id="3" name="Content Placeholder 2">
@@ -40285,8 +40284,8 @@
           </a:p>
         </p:txBody>
       </p:sp>
-      <mc:AlternateContent xmlns:mc="http://schemas.openxmlformats.org/markup-compatibility/2006">
-        <mc:Choice xmlns:a14="http://schemas.microsoft.com/office/drawing/2010/main" Requires="a14">
+      <mc:AlternateContent xmlns:mc="http://schemas.openxmlformats.org/markup-compatibility/2006" xmlns:a14="http://schemas.microsoft.com/office/drawing/2010/main">
+        <mc:Choice Requires="a14">
           <p:sp>
             <p:nvSpPr>
               <p:cNvPr id="3" name="Content Placeholder 2">
@@ -40677,7 +40676,7 @@
             </p:txBody>
           </p:sp>
         </mc:Choice>
-        <mc:Fallback>
+        <mc:Fallback xmlns="">
           <p:sp>
             <p:nvSpPr>
               <p:cNvPr id="3" name="Content Placeholder 2">
